--- a/YOLO+TrOCR/output.pptx
+++ b/YOLO+TrOCR/output.pptx
@@ -3213,7 +3213,7 @@
         <p:spPr>
           <a:xfrm>
             <a:off x="2870200" y="4114800"/>
-            <a:ext cx="8001000" cy="4813300"/>
+            <a:ext cx="8001000" cy="4826000"/>
           </a:xfrm>
           <a:prstGeom prst="rect">
             <a:avLst/>
